--- a/2021-01 SOCALPSUG Secrets Mgmt Demo/Getting Started w Microsoft Secrets Mgmt Module.pptx
+++ b/2021-01 SOCALPSUG Secrets Mgmt Demo/Getting Started w Microsoft Secrets Mgmt Module.pptx
@@ -262,7 +262,7 @@
           <a:p>
             <a:fld id="{D21E4C47-3918-4504-806B-16C4F2479A12}" type="datetimeFigureOut">
               <a:rPr lang="en-US" smtClean="0"/>
-              <a:t>1/31/2021</a:t>
+              <a:t>2/2/2021</a:t>
             </a:fld>
             <a:endParaRPr lang="en-US"/>
           </a:p>
@@ -460,7 +460,7 @@
           <a:p>
             <a:fld id="{D21E4C47-3918-4504-806B-16C4F2479A12}" type="datetimeFigureOut">
               <a:rPr lang="en-US" smtClean="0"/>
-              <a:t>1/31/2021</a:t>
+              <a:t>2/2/2021</a:t>
             </a:fld>
             <a:endParaRPr lang="en-US"/>
           </a:p>
@@ -668,7 +668,7 @@
           <a:p>
             <a:fld id="{D21E4C47-3918-4504-806B-16C4F2479A12}" type="datetimeFigureOut">
               <a:rPr lang="en-US" smtClean="0"/>
-              <a:t>1/31/2021</a:t>
+              <a:t>2/2/2021</a:t>
             </a:fld>
             <a:endParaRPr lang="en-US"/>
           </a:p>
@@ -866,7 +866,7 @@
           <a:p>
             <a:fld id="{D21E4C47-3918-4504-806B-16C4F2479A12}" type="datetimeFigureOut">
               <a:rPr lang="en-US" smtClean="0"/>
-              <a:t>1/31/2021</a:t>
+              <a:t>2/2/2021</a:t>
             </a:fld>
             <a:endParaRPr lang="en-US"/>
           </a:p>
@@ -1141,7 +1141,7 @@
           <a:p>
             <a:fld id="{D21E4C47-3918-4504-806B-16C4F2479A12}" type="datetimeFigureOut">
               <a:rPr lang="en-US" smtClean="0"/>
-              <a:t>1/31/2021</a:t>
+              <a:t>2/2/2021</a:t>
             </a:fld>
             <a:endParaRPr lang="en-US"/>
           </a:p>
@@ -1406,7 +1406,7 @@
           <a:p>
             <a:fld id="{D21E4C47-3918-4504-806B-16C4F2479A12}" type="datetimeFigureOut">
               <a:rPr lang="en-US" smtClean="0"/>
-              <a:t>1/31/2021</a:t>
+              <a:t>2/2/2021</a:t>
             </a:fld>
             <a:endParaRPr lang="en-US"/>
           </a:p>
@@ -1818,7 +1818,7 @@
           <a:p>
             <a:fld id="{D21E4C47-3918-4504-806B-16C4F2479A12}" type="datetimeFigureOut">
               <a:rPr lang="en-US" smtClean="0"/>
-              <a:t>1/31/2021</a:t>
+              <a:t>2/2/2021</a:t>
             </a:fld>
             <a:endParaRPr lang="en-US"/>
           </a:p>
@@ -1959,7 +1959,7 @@
           <a:p>
             <a:fld id="{D21E4C47-3918-4504-806B-16C4F2479A12}" type="datetimeFigureOut">
               <a:rPr lang="en-US" smtClean="0"/>
-              <a:t>1/31/2021</a:t>
+              <a:t>2/2/2021</a:t>
             </a:fld>
             <a:endParaRPr lang="en-US"/>
           </a:p>
@@ -2072,7 +2072,7 @@
           <a:p>
             <a:fld id="{D21E4C47-3918-4504-806B-16C4F2479A12}" type="datetimeFigureOut">
               <a:rPr lang="en-US" smtClean="0"/>
-              <a:t>1/31/2021</a:t>
+              <a:t>2/2/2021</a:t>
             </a:fld>
             <a:endParaRPr lang="en-US"/>
           </a:p>
@@ -2383,7 +2383,7 @@
           <a:p>
             <a:fld id="{D21E4C47-3918-4504-806B-16C4F2479A12}" type="datetimeFigureOut">
               <a:rPr lang="en-US" smtClean="0"/>
-              <a:t>1/31/2021</a:t>
+              <a:t>2/2/2021</a:t>
             </a:fld>
             <a:endParaRPr lang="en-US"/>
           </a:p>
@@ -2671,7 +2671,7 @@
           <a:p>
             <a:fld id="{D21E4C47-3918-4504-806B-16C4F2479A12}" type="datetimeFigureOut">
               <a:rPr lang="en-US" smtClean="0"/>
-              <a:t>1/31/2021</a:t>
+              <a:t>2/2/2021</a:t>
             </a:fld>
             <a:endParaRPr lang="en-US"/>
           </a:p>
@@ -2912,7 +2912,7 @@
           <a:p>
             <a:fld id="{D21E4C47-3918-4504-806B-16C4F2479A12}" type="datetimeFigureOut">
               <a:rPr lang="en-US" smtClean="0"/>
-              <a:t>1/31/2021</a:t>
+              <a:t>2/2/2021</a:t>
             </a:fld>
             <a:endParaRPr lang="en-US"/>
           </a:p>
@@ -21136,7 +21136,7 @@
         </p:spPr>
         <p:txBody>
           <a:bodyPr>
-            <a:normAutofit/>
+            <a:normAutofit lnSpcReduction="10000"/>
           </a:bodyPr>
           <a:lstStyle/>
           <a:p>
@@ -21151,6 +21151,17 @@
             <a:r>
               <a:rPr lang="en-US" sz="2400" b="1" dirty="0"/>
               <a:t> Module Overview</a:t>
+            </a:r>
+          </a:p>
+          <a:p>
+            <a:pPr lvl="1"/>
+            <a:r>
+              <a:rPr lang="en-US" sz="2000" b="1" dirty="0" err="1"/>
+              <a:t>SecretStore</a:t>
+            </a:r>
+            <a:r>
+              <a:rPr lang="en-US" sz="2000" b="1" dirty="0"/>
+              <a:t> Vault</a:t>
             </a:r>
           </a:p>
           <a:p>
